--- a/Short_Pres/Final_ShortPres_Davis.pptx
+++ b/Short_Pres/Final_ShortPres_Davis.pptx
@@ -4594,8 +4594,23 @@
               <a:rPr lang="en-US" dirty="0" smtClean="0">
                 <a:ea typeface="ＭＳ Ｐゴシック" pitchFamily="-108" charset="-128"/>
               </a:rPr>
-              <a:t>Comparison of Methods for Capturing Material Discontinuities</a:t>
-            </a:r>
+              <a:t>Comparison of Methods for </a:t>
+            </a:r>
+            <a:r>
+              <a:rPr lang="en-US" smtClean="0">
+                <a:ea typeface="ＭＳ Ｐゴシック" pitchFamily="-108" charset="-128"/>
+              </a:rPr>
+              <a:t>Capturing</a:t>
+            </a:r>
+            <a:r>
+              <a:rPr lang="en-US" smtClean="0">
+                <a:ea typeface="ＭＳ Ｐゴシック" pitchFamily="-108" charset="-128"/>
+              </a:rPr>
+              <a:t> Discontinuities</a:t>
+            </a:r>
+            <a:endParaRPr lang="en-US" dirty="0" smtClean="0">
+              <a:ea typeface="ＭＳ Ｐゴシック" pitchFamily="-108" charset="-128"/>
+            </a:endParaRPr>
           </a:p>
         </p:txBody>
       </p:sp>
